--- a/Presentation/Data Science with Contact Tracing.pptx
+++ b/Presentation/Data Science with Contact Tracing.pptx
@@ -7,6 +7,9 @@
   <p:sldIdLst>
     <p:sldId id="298" r:id="rId5"/>
     <p:sldId id="300" r:id="rId6"/>
+    <p:sldId id="301" r:id="rId7"/>
+    <p:sldId id="302" r:id="rId8"/>
+    <p:sldId id="303" r:id="rId9"/>
   </p:sldIdLst>
   <p:sldSz cx="12192000" cy="6858000"/>
   <p:notesSz cx="6858000" cy="9144000"/>
@@ -3581,7 +3584,7 @@
                   <a:schemeClr val="tx1"/>
                 </a:solidFill>
               </a:rPr>
-              <a:t>Data Science with Contact Tracing</a:t>
+              <a:t>Data Science in Healthcare and its pitfalls</a:t>
             </a:r>
           </a:p>
         </p:txBody>
@@ -3792,18 +3795,18 @@
         <p:spPr>
           <a:xfrm>
             <a:off x="1097280" y="286603"/>
-            <a:ext cx="10058400" cy="1450757"/>
+            <a:ext cx="10058400" cy="703997"/>
           </a:xfrm>
         </p:spPr>
         <p:txBody>
           <a:bodyPr vert="horz" lIns="91440" tIns="45720" rIns="91440" bIns="45720" rtlCol="0">
-            <a:normAutofit/>
+            <a:normAutofit fontScale="90000"/>
           </a:bodyPr>
           <a:lstStyle/>
           <a:p>
             <a:r>
               <a:rPr lang="en-US" dirty="0"/>
-              <a:t>Title Lorem Ipsum </a:t>
+              <a:t>Google Flu Trends</a:t>
             </a:r>
           </a:p>
         </p:txBody>
@@ -3822,11 +3825,16 @@
           </p:cNvGraphicFramePr>
           <p:nvPr>
             <p:ph idx="1"/>
+            <p:extLst>
+              <p:ext uri="{D42A27DB-BD31-4B8C-83A1-F6EECF244321}">
+                <p14:modId xmlns:p14="http://schemas.microsoft.com/office/powerpoint/2010/main" val="2674540444"/>
+              </p:ext>
+            </p:extLst>
           </p:nvPr>
         </p:nvGraphicFramePr>
         <p:xfrm>
-          <a:off x="1096963" y="2216879"/>
-          <a:ext cx="10058400" cy="3604216"/>
+          <a:off x="466725" y="1076325"/>
+          <a:ext cx="11296652" cy="5201368"/>
         </p:xfrm>
         <a:graphic>
           <a:graphicData uri="http://schemas.openxmlformats.org/drawingml/2006/table">
@@ -3836,28 +3844,28 @@
                 <a:tableStyleId>{3B4B98B0-60AC-42C2-AFA5-B58CD77FA1E5}</a:tableStyleId>
               </a:tblPr>
               <a:tblGrid>
-                <a:gridCol w="2514600">
+                <a:gridCol w="2824163">
                   <a:extLst>
                     <a:ext uri="{9D8B030D-6E8A-4147-A177-3AD203B41FA5}">
                       <a16:colId xmlns:a16="http://schemas.microsoft.com/office/drawing/2014/main" val="2981917977"/>
                     </a:ext>
                   </a:extLst>
                 </a:gridCol>
-                <a:gridCol w="2514600">
+                <a:gridCol w="2824163">
                   <a:extLst>
                     <a:ext uri="{9D8B030D-6E8A-4147-A177-3AD203B41FA5}">
                       <a16:colId xmlns:a16="http://schemas.microsoft.com/office/drawing/2014/main" val="945233394"/>
                     </a:ext>
                   </a:extLst>
                 </a:gridCol>
-                <a:gridCol w="2514600">
+                <a:gridCol w="2824163">
                   <a:extLst>
                     <a:ext uri="{9D8B030D-6E8A-4147-A177-3AD203B41FA5}">
                       <a16:colId xmlns:a16="http://schemas.microsoft.com/office/drawing/2014/main" val="2572263168"/>
                     </a:ext>
                   </a:extLst>
                 </a:gridCol>
-                <a:gridCol w="2514600">
+                <a:gridCol w="2824163">
                   <a:extLst>
                     <a:ext uri="{9D8B030D-6E8A-4147-A177-3AD203B41FA5}">
                       <a16:colId xmlns:a16="http://schemas.microsoft.com/office/drawing/2014/main" val="1765783061"/>
@@ -3865,7 +3873,7 @@
                   </a:extLst>
                 </a:gridCol>
               </a:tblGrid>
-              <a:tr h="613018">
+              <a:tr h="363736">
                 <a:tc>
                   <a:txBody>
                     <a:bodyPr/>
@@ -3877,7 +3885,7 @@
                             <a:schemeClr val="lt1"/>
                           </a:solidFill>
                         </a:rPr>
-                        <a:t>Q1</a:t>
+                        <a:t>2008</a:t>
                       </a:r>
                     </a:p>
                   </a:txBody>
@@ -3910,7 +3918,7 @@
                             <a:schemeClr val="lt1"/>
                           </a:solidFill>
                         </a:rPr>
-                        <a:t>Q2</a:t>
+                        <a:t>2009</a:t>
                       </a:r>
                     </a:p>
                   </a:txBody>
@@ -3943,7 +3951,7 @@
                             <a:schemeClr val="lt1"/>
                           </a:solidFill>
                         </a:rPr>
-                        <a:t>Q3</a:t>
+                        <a:t>2013</a:t>
                       </a:r>
                     </a:p>
                   </a:txBody>
@@ -3971,13 +3979,18 @@
                     <a:lstStyle/>
                     <a:p>
                       <a:r>
-                        <a:rPr lang="en-US" sz="2400" b="0" cap="all" spc="150" dirty="0">
+                        <a:rPr lang="en-US" sz="2400" b="0" cap="all" spc="150" dirty="0" err="1">
                           <a:solidFill>
                             <a:schemeClr val="lt1"/>
                           </a:solidFill>
                         </a:rPr>
-                        <a:t>Q4</a:t>
+                        <a:t>LegacY</a:t>
                       </a:r>
+                      <a:endParaRPr lang="en-US" sz="2400" b="0" cap="all" spc="150" dirty="0">
+                        <a:solidFill>
+                          <a:schemeClr val="lt1"/>
+                        </a:solidFill>
+                      </a:endParaRPr>
                     </a:p>
                   </a:txBody>
                   <a:tcPr marL="151061" marR="151061" marT="151061" marB="151061">
@@ -4004,7 +4017,7 @@
                   </a:ext>
                 </a:extLst>
               </a:tr>
-              <a:tr h="978778">
+              <a:tr h="861728">
                 <a:tc>
                   <a:txBody>
                     <a:bodyPr/>
@@ -4016,7 +4029,24 @@
                             <a:schemeClr val="tx1"/>
                           </a:solidFill>
                         </a:rPr>
-                        <a:t>Lorem ipsum et tula lorem ipsum et lorem ipsum </a:t>
+                        <a:t>Launched by Google to outperform CDC’s </a:t>
+                      </a:r>
+                      <a:r>
+                        <a:rPr lang="en-US" sz="1400" cap="none" spc="0" dirty="0">
+                          <a:solidFill>
+                            <a:schemeClr val="tx1"/>
+                          </a:solidFill>
+                          <a:hlinkClick r:id="rId3"/>
+                        </a:rPr>
+                        <a:t>FluView</a:t>
+                      </a:r>
+                      <a:r>
+                        <a:rPr lang="en-US" sz="1400" cap="none" spc="0" dirty="0">
+                          <a:solidFill>
+                            <a:schemeClr val="tx1"/>
+                          </a:solidFill>
+                        </a:rPr>
+                        <a:t> tracker.</a:t>
                       </a:r>
                     </a:p>
                   </a:txBody>
@@ -4067,8 +4097,68 @@
                             <a:schemeClr val="tx1"/>
                           </a:solidFill>
                         </a:rPr>
-                        <a:t>Lorem ipsum et tula lorem ipsum et lorem ipsum </a:t>
+                        <a:t>First published on February 19 in </a:t>
                       </a:r>
+                      <a:r>
+                        <a:rPr lang="en-US" sz="1400" cap="none" spc="0" dirty="0" err="1">
+                          <a:solidFill>
+                            <a:schemeClr val="tx1"/>
+                          </a:solidFill>
+                        </a:rPr>
+                        <a:t>nature.com’s</a:t>
+                      </a:r>
+                      <a:r>
+                        <a:rPr lang="en-US" sz="1400" cap="none" spc="0" dirty="0">
+                          <a:solidFill>
+                            <a:schemeClr val="tx1"/>
+                          </a:solidFill>
+                        </a:rPr>
+                        <a:t> article </a:t>
+                      </a:r>
+                      <a:r>
+                        <a:rPr lang="en-US" sz="1400" b="1" kern="1200" cap="none" spc="0" dirty="0">
+                          <a:solidFill>
+                            <a:schemeClr val="tx1"/>
+                          </a:solidFill>
+                          <a:latin typeface="+mn-lt"/>
+                          <a:ea typeface="+mn-ea"/>
+                          <a:cs typeface="+mn-cs"/>
+                          <a:hlinkClick r:id="rId4"/>
+                        </a:rPr>
+                        <a:t>Detecting influenza epidemics using search engine query data</a:t>
+                      </a:r>
+                      <a:endParaRPr lang="en-US" sz="1400" b="1" kern="1200" cap="none" spc="0" dirty="0">
+                        <a:solidFill>
+                          <a:schemeClr val="tx1"/>
+                        </a:solidFill>
+                        <a:latin typeface="+mn-lt"/>
+                        <a:ea typeface="+mn-ea"/>
+                        <a:cs typeface="+mn-cs"/>
+                      </a:endParaRPr>
+                    </a:p>
+                    <a:p>
+                      <a:pPr marL="0" marR="0" lvl="0" indent="0" algn="l" defTabSz="914400" rtl="0" eaLnBrk="1" fontAlgn="auto" latinLnBrk="0" hangingPunct="1">
+                        <a:lnSpc>
+                          <a:spcPct val="100000"/>
+                        </a:lnSpc>
+                        <a:spcBef>
+                          <a:spcPts val="0"/>
+                        </a:spcBef>
+                        <a:spcAft>
+                          <a:spcPts val="0"/>
+                        </a:spcAft>
+                        <a:buClrTx/>
+                        <a:buSzTx/>
+                        <a:buFontTx/>
+                        <a:buNone/>
+                        <a:tabLst/>
+                        <a:defRPr/>
+                      </a:pPr>
+                      <a:endParaRPr lang="en-US" sz="1400" cap="none" spc="0" dirty="0">
+                        <a:solidFill>
+                          <a:schemeClr val="tx1"/>
+                        </a:solidFill>
+                      </a:endParaRPr>
                     </a:p>
                     <a:p>
                       <a:endParaRPr lang="en-US" sz="1400" cap="none" spc="0" dirty="0">
@@ -4125,8 +4215,41 @@
                             <a:schemeClr val="tx1"/>
                           </a:solidFill>
                         </a:rPr>
-                        <a:t>Lorem ipsum et tula lorem ipsum et lorem ipsum </a:t>
+                        <a:t>Flu outbreak</a:t>
                       </a:r>
+                    </a:p>
+                    <a:p>
+                      <a:pPr marL="0" marR="0" lvl="0" indent="0" algn="l" defTabSz="914400" rtl="0" eaLnBrk="1" fontAlgn="auto" latinLnBrk="0" hangingPunct="1">
+                        <a:lnSpc>
+                          <a:spcPct val="100000"/>
+                        </a:lnSpc>
+                        <a:spcBef>
+                          <a:spcPts val="0"/>
+                        </a:spcBef>
+                        <a:spcAft>
+                          <a:spcPts val="0"/>
+                        </a:spcAft>
+                        <a:buClrTx/>
+                        <a:buSzTx/>
+                        <a:buFontTx/>
+                        <a:buNone/>
+                        <a:tabLst/>
+                        <a:defRPr/>
+                      </a:pPr>
+                      <a:r>
+                        <a:rPr lang="en-US" sz="1400" cap="none" spc="0" dirty="0">
+                          <a:solidFill>
+                            <a:schemeClr val="tx1"/>
+                          </a:solidFill>
+                          <a:hlinkClick r:id="rId5"/>
+                        </a:rPr>
+                        <a:t>Worst in recent history</a:t>
+                      </a:r>
+                      <a:endParaRPr lang="en-US" sz="1400" cap="none" spc="0" dirty="0">
+                        <a:solidFill>
+                          <a:schemeClr val="tx1"/>
+                        </a:solidFill>
+                      </a:endParaRPr>
                     </a:p>
                     <a:p>
                       <a:endParaRPr lang="en-US" sz="1400" cap="none" spc="0" dirty="0">
@@ -4183,8 +4306,29 @@
                             <a:schemeClr val="tx1"/>
                           </a:solidFill>
                         </a:rPr>
-                        <a:t>Lorem ipsum et tula lorem ipsum et lorem ipsum </a:t>
+                        <a:t>Primary example of “</a:t>
                       </a:r>
+                      <a:r>
+                        <a:rPr lang="en-US" sz="1400" i="1" cap="none" spc="0" dirty="0">
+                          <a:solidFill>
+                            <a:schemeClr val="tx1"/>
+                          </a:solidFill>
+                        </a:rPr>
+                        <a:t>BIG DATA HUBRIS</a:t>
+                      </a:r>
+                      <a:r>
+                        <a:rPr lang="en-US" sz="1400" i="0" cap="none" spc="0" dirty="0">
+                          <a:solidFill>
+                            <a:schemeClr val="tx1"/>
+                          </a:solidFill>
+                        </a:rPr>
+                        <a:t>”</a:t>
+                      </a:r>
+                      <a:endParaRPr lang="en-US" sz="1400" cap="none" spc="0" dirty="0">
+                        <a:solidFill>
+                          <a:schemeClr val="tx1"/>
+                        </a:solidFill>
+                      </a:endParaRPr>
                     </a:p>
                     <a:p>
                       <a:endParaRPr lang="en-US" sz="1400" cap="none" spc="0" dirty="0">
@@ -4219,7 +4363,7 @@
                   </a:ext>
                 </a:extLst>
               </a:tr>
-              <a:tr h="978778">
+              <a:tr h="861728">
                 <a:tc>
                   <a:txBody>
                     <a:bodyPr/>
@@ -4248,7 +4392,223 @@
                             <a:schemeClr val="tx1"/>
                           </a:solidFill>
                         </a:rPr>
-                        <a:t>Lorem ipsum et tula lorem ipsum et lorem ipsum </a:t>
+                        <a:t>Combine CDC data and Google web search terms to identify flu outbreak.</a:t>
+                      </a:r>
+                    </a:p>
+                    <a:p>
+                      <a:pPr marL="0" marR="0" lvl="0" indent="0" algn="l" defTabSz="914400" rtl="0" eaLnBrk="1" fontAlgn="auto" latinLnBrk="0" hangingPunct="1">
+                        <a:lnSpc>
+                          <a:spcPct val="100000"/>
+                        </a:lnSpc>
+                        <a:spcBef>
+                          <a:spcPts val="0"/>
+                        </a:spcBef>
+                        <a:spcAft>
+                          <a:spcPts val="0"/>
+                        </a:spcAft>
+                        <a:buClrTx/>
+                        <a:buSzTx/>
+                        <a:buFontTx/>
+                        <a:buNone/>
+                        <a:tabLst/>
+                        <a:defRPr/>
+                      </a:pPr>
+                      <a:endParaRPr lang="en-US" sz="1400" cap="none" spc="0" dirty="0">
+                        <a:solidFill>
+                          <a:schemeClr val="tx1"/>
+                        </a:solidFill>
+                      </a:endParaRPr>
+                    </a:p>
+                    <a:p>
+                      <a:pPr marL="0" marR="0" lvl="0" indent="0" algn="l" defTabSz="914400" rtl="0" eaLnBrk="1" fontAlgn="auto" latinLnBrk="0" hangingPunct="1">
+                        <a:lnSpc>
+                          <a:spcPct val="100000"/>
+                        </a:lnSpc>
+                        <a:spcBef>
+                          <a:spcPts val="0"/>
+                        </a:spcBef>
+                        <a:spcAft>
+                          <a:spcPts val="0"/>
+                        </a:spcAft>
+                        <a:buClrTx/>
+                        <a:buSzTx/>
+                        <a:buFontTx/>
+                        <a:buNone/>
+                        <a:tabLst/>
+                        <a:defRPr/>
+                      </a:pPr>
+                      <a:r>
+                        <a:rPr lang="en-US" sz="1400" cap="none" spc="0" dirty="0">
+                          <a:solidFill>
+                            <a:schemeClr val="tx1"/>
+                          </a:solidFill>
+                          <a:hlinkClick r:id="rId6"/>
+                        </a:rPr>
+                        <a:t>Datacollaboratives.org</a:t>
+                      </a:r>
+                      <a:endParaRPr lang="en-US" sz="1400" cap="none" spc="0" dirty="0">
+                        <a:solidFill>
+                          <a:schemeClr val="tx1"/>
+                        </a:solidFill>
+                      </a:endParaRPr>
+                    </a:p>
+                    <a:p>
+                      <a:endParaRPr lang="en-US" sz="1400" cap="none" spc="0" dirty="0">
+                        <a:solidFill>
+                          <a:schemeClr val="tx1"/>
+                        </a:solidFill>
+                      </a:endParaRPr>
+                    </a:p>
+                  </a:txBody>
+                  <a:tcPr marL="151061" marR="151061" marT="151061" marB="151061">
+                    <a:lnL w="12700" cmpd="sng">
+                      <a:noFill/>
+                      <a:prstDash val="solid"/>
+                    </a:lnL>
+                    <a:lnR w="12700" cmpd="sng">
+                      <a:noFill/>
+                      <a:prstDash val="solid"/>
+                    </a:lnR>
+                    <a:lnT w="12700" cmpd="sng">
+                      <a:noFill/>
+                      <a:prstDash val="solid"/>
+                    </a:lnT>
+                    <a:lnB w="12700" cmpd="sng">
+                      <a:noFill/>
+                      <a:prstDash val="solid"/>
+                    </a:lnB>
+                    <a:solidFill>
+                      <a:srgbClr val="000000">
+                        <a:alpha val="7843"/>
+                      </a:srgbClr>
+                    </a:solidFill>
+                  </a:tcPr>
+                </a:tc>
+                <a:tc>
+                  <a:txBody>
+                    <a:bodyPr/>
+                    <a:lstStyle/>
+                    <a:p>
+                      <a:pPr marL="0" marR="0" lvl="0" indent="0" algn="l" defTabSz="914400" rtl="0" eaLnBrk="1" fontAlgn="auto" latinLnBrk="0" hangingPunct="1">
+                        <a:lnSpc>
+                          <a:spcPct val="100000"/>
+                        </a:lnSpc>
+                        <a:spcBef>
+                          <a:spcPts val="0"/>
+                        </a:spcBef>
+                        <a:spcAft>
+                          <a:spcPts val="0"/>
+                        </a:spcAft>
+                        <a:buClrTx/>
+                        <a:buSzTx/>
+                        <a:buFontTx/>
+                        <a:buNone/>
+                        <a:tabLst/>
+                        <a:defRPr/>
+                      </a:pPr>
+                      <a:r>
+                        <a:rPr lang="en-US" sz="1400" cap="none" spc="0" dirty="0">
+                          <a:solidFill>
+                            <a:schemeClr val="tx1"/>
+                          </a:solidFill>
+                        </a:rPr>
+                        <a:t>Promised to detect “seasonal” flu at faster rate and pitched the potential to stop potential pandemics, if an evolve strain broke out.</a:t>
+                      </a:r>
+                    </a:p>
+                    <a:p>
+                      <a:pPr marL="0" marR="0" lvl="0" indent="0" algn="l" defTabSz="914400" rtl="0" eaLnBrk="1" fontAlgn="auto" latinLnBrk="0" hangingPunct="1">
+                        <a:lnSpc>
+                          <a:spcPct val="100000"/>
+                        </a:lnSpc>
+                        <a:spcBef>
+                          <a:spcPts val="0"/>
+                        </a:spcBef>
+                        <a:spcAft>
+                          <a:spcPts val="0"/>
+                        </a:spcAft>
+                        <a:buClrTx/>
+                        <a:buSzTx/>
+                        <a:buFontTx/>
+                        <a:buNone/>
+                        <a:tabLst/>
+                        <a:defRPr/>
+                      </a:pPr>
+                      <a:r>
+                        <a:rPr lang="en-US" sz="1400" cap="none" spc="0" dirty="0">
+                          <a:solidFill>
+                            <a:schemeClr val="tx1"/>
+                          </a:solidFill>
+                          <a:hlinkClick r:id="rId4"/>
+                        </a:rPr>
+                        <a:t>Natrue.com</a:t>
+                      </a:r>
+                      <a:endParaRPr lang="en-US" sz="1400" cap="none" spc="0" dirty="0">
+                        <a:solidFill>
+                          <a:schemeClr val="tx1"/>
+                        </a:solidFill>
+                      </a:endParaRPr>
+                    </a:p>
+                    <a:p>
+                      <a:endParaRPr lang="en-US" sz="1400" cap="none" spc="0" dirty="0">
+                        <a:solidFill>
+                          <a:schemeClr val="tx1"/>
+                        </a:solidFill>
+                      </a:endParaRPr>
+                    </a:p>
+                  </a:txBody>
+                  <a:tcPr marL="151061" marR="151061" marT="151061" marB="151061">
+                    <a:lnL w="12700" cmpd="sng">
+                      <a:noFill/>
+                      <a:prstDash val="solid"/>
+                    </a:lnL>
+                    <a:lnR w="12700" cmpd="sng">
+                      <a:noFill/>
+                      <a:prstDash val="solid"/>
+                    </a:lnR>
+                    <a:lnT w="12700" cmpd="sng">
+                      <a:noFill/>
+                      <a:prstDash val="solid"/>
+                    </a:lnT>
+                    <a:lnB w="12700" cmpd="sng">
+                      <a:noFill/>
+                      <a:prstDash val="solid"/>
+                    </a:lnB>
+                    <a:solidFill>
+                      <a:srgbClr val="000000">
+                        <a:alpha val="7843"/>
+                      </a:srgbClr>
+                    </a:solidFill>
+                  </a:tcPr>
+                </a:tc>
+                <a:tc>
+                  <a:txBody>
+                    <a:bodyPr/>
+                    <a:lstStyle/>
+                    <a:p>
+                      <a:pPr marL="0" marR="0" lvl="0" indent="0" algn="l" defTabSz="914400" rtl="0" eaLnBrk="1" fontAlgn="auto" latinLnBrk="0" hangingPunct="1">
+                        <a:lnSpc>
+                          <a:spcPct val="100000"/>
+                        </a:lnSpc>
+                        <a:spcBef>
+                          <a:spcPts val="0"/>
+                        </a:spcBef>
+                        <a:spcAft>
+                          <a:spcPts val="0"/>
+                        </a:spcAft>
+                        <a:buClrTx/>
+                        <a:buSzTx/>
+                        <a:buFontTx/>
+                        <a:buNone/>
+                        <a:tabLst/>
+                        <a:defRPr/>
+                      </a:pPr>
+                      <a:r>
+                        <a:rPr lang="en-US" sz="1400" cap="none" spc="0" dirty="0">
+                          <a:solidFill>
+                            <a:schemeClr val="tx1"/>
+                          </a:solidFill>
+                        </a:rPr>
+                        <a:t>GFT missed Flu peak season by 140%</a:t>
                       </a:r>
                     </a:p>
                     <a:p>
@@ -4311,45 +4671,9 @@
                             <a:schemeClr val="tx1"/>
                           </a:solidFill>
                         </a:rPr>
-                        <a:t>Lorem ipsum et tula lorem ipsum et lorem ipsum </a:t>
+                        <a:t>Request for releasing of holders of big data to the public.</a:t>
                       </a:r>
                     </a:p>
-                    <a:p>
-                      <a:endParaRPr lang="en-US" sz="1400" cap="none" spc="0" dirty="0">
-                        <a:solidFill>
-                          <a:schemeClr val="tx1"/>
-                        </a:solidFill>
-                      </a:endParaRPr>
-                    </a:p>
-                  </a:txBody>
-                  <a:tcPr marL="151061" marR="151061" marT="151061" marB="151061">
-                    <a:lnL w="12700" cmpd="sng">
-                      <a:noFill/>
-                      <a:prstDash val="solid"/>
-                    </a:lnL>
-                    <a:lnR w="12700" cmpd="sng">
-                      <a:noFill/>
-                      <a:prstDash val="solid"/>
-                    </a:lnR>
-                    <a:lnT w="12700" cmpd="sng">
-                      <a:noFill/>
-                      <a:prstDash val="solid"/>
-                    </a:lnT>
-                    <a:lnB w="12700" cmpd="sng">
-                      <a:noFill/>
-                      <a:prstDash val="solid"/>
-                    </a:lnB>
-                    <a:solidFill>
-                      <a:srgbClr val="000000">
-                        <a:alpha val="7843"/>
-                      </a:srgbClr>
-                    </a:solidFill>
-                  </a:tcPr>
-                </a:tc>
-                <a:tc>
-                  <a:txBody>
-                    <a:bodyPr/>
-                    <a:lstStyle/>
                     <a:p>
                       <a:pPr marL="0" marR="0" lvl="0" indent="0" algn="l" defTabSz="914400" rtl="0" eaLnBrk="1" fontAlgn="auto" latinLnBrk="0" hangingPunct="1">
                         <a:lnSpc>
@@ -4369,75 +4693,20 @@
                         <a:defRPr/>
                       </a:pPr>
                       <a:r>
-                        <a:rPr lang="en-US" sz="1400" cap="none" spc="0" dirty="0">
+                        <a:rPr lang="en-US" sz="1400" b="1" cap="none" spc="0" dirty="0" err="1">
                           <a:solidFill>
                             <a:schemeClr val="tx1"/>
                           </a:solidFill>
                         </a:rPr>
-                        <a:t>Lorem ipsum et tula lorem ipsum et lorem ipsum </a:t>
+                        <a:t>Ellaborate</a:t>
                       </a:r>
-                    </a:p>
-                    <a:p>
-                      <a:endParaRPr lang="en-US" sz="1400" cap="none" spc="0" dirty="0">
-                        <a:solidFill>
-                          <a:schemeClr val="tx1"/>
-                        </a:solidFill>
-                      </a:endParaRPr>
-                    </a:p>
-                  </a:txBody>
-                  <a:tcPr marL="151061" marR="151061" marT="151061" marB="151061">
-                    <a:lnL w="12700" cmpd="sng">
-                      <a:noFill/>
-                      <a:prstDash val="solid"/>
-                    </a:lnL>
-                    <a:lnR w="12700" cmpd="sng">
-                      <a:noFill/>
-                      <a:prstDash val="solid"/>
-                    </a:lnR>
-                    <a:lnT w="12700" cmpd="sng">
-                      <a:noFill/>
-                      <a:prstDash val="solid"/>
-                    </a:lnT>
-                    <a:lnB w="12700" cmpd="sng">
-                      <a:noFill/>
-                      <a:prstDash val="solid"/>
-                    </a:lnB>
-                    <a:solidFill>
-                      <a:srgbClr val="000000">
-                        <a:alpha val="7843"/>
-                      </a:srgbClr>
-                    </a:solidFill>
-                  </a:tcPr>
-                </a:tc>
-                <a:tc>
-                  <a:txBody>
-                    <a:bodyPr/>
-                    <a:lstStyle/>
-                    <a:p>
-                      <a:pPr marL="0" marR="0" lvl="0" indent="0" algn="l" defTabSz="914400" rtl="0" eaLnBrk="1" fontAlgn="auto" latinLnBrk="0" hangingPunct="1">
-                        <a:lnSpc>
-                          <a:spcPct val="100000"/>
-                        </a:lnSpc>
-                        <a:spcBef>
-                          <a:spcPts val="0"/>
-                        </a:spcBef>
-                        <a:spcAft>
-                          <a:spcPts val="0"/>
-                        </a:spcAft>
-                        <a:buClrTx/>
-                        <a:buSzTx/>
-                        <a:buFontTx/>
-                        <a:buNone/>
-                        <a:tabLst/>
-                        <a:defRPr/>
-                      </a:pPr>
                       <a:r>
-                        <a:rPr lang="en-US" sz="1400" cap="none" spc="0" dirty="0">
+                        <a:rPr lang="en-US" sz="1400" b="1" cap="none" spc="0" dirty="0">
                           <a:solidFill>
                             <a:schemeClr val="tx1"/>
                           </a:solidFill>
                         </a:rPr>
-                        <a:t>Lorem ipsum et tula lorem ipsum et lorem ipsum </a:t>
+                        <a:t> on conclusion</a:t>
                       </a:r>
                     </a:p>
                     <a:p>
@@ -4478,7 +4747,7 @@
                   </a:ext>
                 </a:extLst>
               </a:tr>
-              <a:tr h="978778">
+              <a:tr h="513133">
                 <a:tc>
                   <a:txBody>
                     <a:bodyPr/>
@@ -4507,7 +4776,18 @@
                             <a:schemeClr val="tx1"/>
                           </a:solidFill>
                         </a:rPr>
-                        <a:t>Lorem ipsum et tula lorem ipsum et lorem ipsum </a:t>
+                        <a:t>Algorithm </a:t>
+                      </a:r>
+                      <a:r>
+                        <a:rPr lang="en-US" sz="1400" kern="1200" cap="none" spc="0" dirty="0">
+                          <a:solidFill>
+                            <a:schemeClr val="tx1"/>
+                          </a:solidFill>
+                          <a:latin typeface="+mn-lt"/>
+                          <a:ea typeface="+mn-ea"/>
+                          <a:cs typeface="+mn-cs"/>
+                        </a:rPr>
+                        <a:t>involved identifying 50 million search terms to fit 1152 data points</a:t>
                       </a:r>
                     </a:p>
                     <a:p>
@@ -4566,7 +4846,7 @@
                             <a:schemeClr val="tx1"/>
                           </a:solidFill>
                         </a:rPr>
-                        <a:t>Lorem ipsum et tula lorem ipsum et lorem ipsum </a:t>
+                        <a:t>Marketed the tracking model as “now casting”</a:t>
                       </a:r>
                     </a:p>
                     <a:p>
@@ -4625,7 +4905,7 @@
                             <a:schemeClr val="tx1"/>
                           </a:solidFill>
                         </a:rPr>
-                        <a:t>Lorem ipsum et tula lorem ipsum et lorem ipsum </a:t>
+                        <a:t>Quiet discontinuation of the tracker</a:t>
                       </a:r>
                     </a:p>
                     <a:p>
@@ -4660,33 +4940,6 @@
                   <a:txBody>
                     <a:bodyPr/>
                     <a:lstStyle/>
-                    <a:p>
-                      <a:pPr marL="0" marR="0" lvl="0" indent="0" algn="l" defTabSz="914400" rtl="0" eaLnBrk="1" fontAlgn="auto" latinLnBrk="0" hangingPunct="1">
-                        <a:lnSpc>
-                          <a:spcPct val="100000"/>
-                        </a:lnSpc>
-                        <a:spcBef>
-                          <a:spcPts val="0"/>
-                        </a:spcBef>
-                        <a:spcAft>
-                          <a:spcPts val="0"/>
-                        </a:spcAft>
-                        <a:buClrTx/>
-                        <a:buSzTx/>
-                        <a:buFontTx/>
-                        <a:buNone/>
-                        <a:tabLst/>
-                        <a:defRPr/>
-                      </a:pPr>
-                      <a:r>
-                        <a:rPr lang="en-US" sz="1400" cap="none" spc="0" dirty="0">
-                          <a:solidFill>
-                            <a:schemeClr val="tx1"/>
-                          </a:solidFill>
-                        </a:rPr>
-                        <a:t>Lorem ipsum et tula lorem ipsum et lorem ipsum </a:t>
-                      </a:r>
-                    </a:p>
                     <a:p>
                       <a:endParaRPr lang="en-US" sz="1400" cap="none" spc="0" dirty="0">
                         <a:solidFill>
@@ -4729,6 +4982,873 @@
     <p:extLst>
       <p:ext uri="{BB962C8B-B14F-4D97-AF65-F5344CB8AC3E}">
         <p14:creationId xmlns:p14="http://schemas.microsoft.com/office/powerpoint/2010/main" val="2933514334"/>
+      </p:ext>
+    </p:extLst>
+  </p:cSld>
+  <p:clrMapOvr>
+    <a:masterClrMapping/>
+  </p:clrMapOvr>
+</p:sld>
+</file>
+
+<file path=ppt/slides/slide3.xml><?xml version="1.0" encoding="utf-8"?>
+<p:sld xmlns:a="http://schemas.openxmlformats.org/drawingml/2006/main" xmlns:r="http://schemas.openxmlformats.org/officeDocument/2006/relationships" xmlns:p="http://schemas.openxmlformats.org/presentationml/2006/main">
+  <p:cSld>
+    <p:bg>
+      <p:bgPr>
+        <a:solidFill>
+          <a:schemeClr val="bg1"/>
+        </a:solidFill>
+        <a:effectLst/>
+      </p:bgPr>
+    </p:bg>
+    <p:spTree>
+      <p:nvGrpSpPr>
+        <p:cNvPr id="1" name=""/>
+        <p:cNvGrpSpPr/>
+        <p:nvPr/>
+      </p:nvGrpSpPr>
+      <p:grpSpPr>
+        <a:xfrm>
+          <a:off x="0" y="0"/>
+          <a:ext cx="0" cy="0"/>
+          <a:chOff x="0" y="0"/>
+          <a:chExt cx="0" cy="0"/>
+        </a:xfrm>
+      </p:grpSpPr>
+      <p:sp>
+        <p:nvSpPr>
+          <p:cNvPr id="15" name="Rectangle 14">
+            <a:extLst>
+              <a:ext uri="{FF2B5EF4-FFF2-40B4-BE49-F238E27FC236}">
+                <a16:creationId xmlns:a16="http://schemas.microsoft.com/office/drawing/2014/main" id="{A8E9C91B-7EAD-4562-AB0E-DFB9663AECE3}"/>
+              </a:ext>
+              <a:ext uri="{C183D7F6-B498-43B3-948B-1728B52AA6E4}">
+                <adec:decorative xmlns:adec="http://schemas.microsoft.com/office/drawing/2017/decorative" val="1"/>
+              </a:ext>
+            </a:extLst>
+          </p:cNvPr>
+          <p:cNvSpPr>
+            <a:spLocks noGrp="1" noRot="1" noChangeAspect="1" noMove="1" noResize="1" noEditPoints="1" noAdjustHandles="1" noChangeArrowheads="1" noChangeShapeType="1" noTextEdit="1"/>
+          </p:cNvSpPr>
+          <p:nvPr>
+            <p:extLst>
+              <p:ext uri="{386F3935-93C4-4BCD-93E2-E3B085C9AB24}">
+                <p16:designElem xmlns:p16="http://schemas.microsoft.com/office/powerpoint/2015/main" val="1"/>
+              </p:ext>
+            </p:extLst>
+          </p:nvPr>
+        </p:nvSpPr>
+        <p:spPr>
+          <a:xfrm>
+            <a:off x="3175" y="6400800"/>
+            <a:ext cx="12188825" cy="457200"/>
+          </a:xfrm>
+          <a:prstGeom prst="rect">
+            <a:avLst/>
+          </a:prstGeom>
+          <a:solidFill>
+            <a:srgbClr val="262626"/>
+          </a:solidFill>
+          <a:ln>
+            <a:noFill/>
+          </a:ln>
+        </p:spPr>
+        <p:style>
+          <a:lnRef idx="2">
+            <a:schemeClr val="accent1">
+              <a:shade val="50000"/>
+            </a:schemeClr>
+          </a:lnRef>
+          <a:fillRef idx="1">
+            <a:schemeClr val="accent1"/>
+          </a:fillRef>
+          <a:effectRef idx="0">
+            <a:schemeClr val="accent1"/>
+          </a:effectRef>
+          <a:fontRef idx="minor">
+            <a:schemeClr val="lt1"/>
+          </a:fontRef>
+        </p:style>
+      </p:sp>
+      <p:sp useBgFill="1">
+        <p:nvSpPr>
+          <p:cNvPr id="25" name="Rectangle 16">
+            <a:extLst>
+              <a:ext uri="{FF2B5EF4-FFF2-40B4-BE49-F238E27FC236}">
+                <a16:creationId xmlns:a16="http://schemas.microsoft.com/office/drawing/2014/main" id="{652BD35A-BC99-4831-A358-06E2CEB96697}"/>
+              </a:ext>
+              <a:ext uri="{C183D7F6-B498-43B3-948B-1728B52AA6E4}">
+                <adec:decorative xmlns:adec="http://schemas.microsoft.com/office/drawing/2017/decorative" val="1"/>
+              </a:ext>
+            </a:extLst>
+          </p:cNvPr>
+          <p:cNvSpPr>
+            <a:spLocks noGrp="1" noRot="1" noChangeAspect="1" noMove="1" noResize="1" noEditPoints="1" noAdjustHandles="1" noChangeArrowheads="1" noChangeShapeType="1" noTextEdit="1"/>
+          </p:cNvSpPr>
+          <p:nvPr>
+            <p:extLst>
+              <p:ext uri="{386F3935-93C4-4BCD-93E2-E3B085C9AB24}">
+                <p16:designElem xmlns:p16="http://schemas.microsoft.com/office/powerpoint/2015/main" val="1"/>
+              </p:ext>
+            </p:extLst>
+          </p:nvPr>
+        </p:nvSpPr>
+        <p:spPr>
+          <a:xfrm>
+            <a:off x="0" y="0"/>
+            <a:ext cx="12192000" cy="6858000"/>
+          </a:xfrm>
+          <a:prstGeom prst="rect">
+            <a:avLst/>
+          </a:prstGeom>
+          <a:ln>
+            <a:noFill/>
+          </a:ln>
+        </p:spPr>
+        <p:style>
+          <a:lnRef idx="2">
+            <a:schemeClr val="accent1">
+              <a:shade val="50000"/>
+            </a:schemeClr>
+          </a:lnRef>
+          <a:fillRef idx="1">
+            <a:schemeClr val="accent1"/>
+          </a:fillRef>
+          <a:effectRef idx="0">
+            <a:schemeClr val="accent1"/>
+          </a:effectRef>
+          <a:fontRef idx="minor">
+            <a:schemeClr val="lt1"/>
+          </a:fontRef>
+        </p:style>
+        <p:txBody>
+          <a:bodyPr rtlCol="0" anchor="ctr"/>
+          <a:lstStyle/>
+          <a:p>
+            <a:pPr algn="ctr"/>
+            <a:endParaRPr lang="en-US"/>
+          </a:p>
+        </p:txBody>
+      </p:sp>
+      <p:sp>
+        <p:nvSpPr>
+          <p:cNvPr id="26" name="Rectangle 18">
+            <a:extLst>
+              <a:ext uri="{FF2B5EF4-FFF2-40B4-BE49-F238E27FC236}">
+                <a16:creationId xmlns:a16="http://schemas.microsoft.com/office/drawing/2014/main" id="{B76E24C1-2968-40DC-A36E-F6B85F0F0752}"/>
+              </a:ext>
+              <a:ext uri="{C183D7F6-B498-43B3-948B-1728B52AA6E4}">
+                <adec:decorative xmlns:adec="http://schemas.microsoft.com/office/drawing/2017/decorative" val="1"/>
+              </a:ext>
+            </a:extLst>
+          </p:cNvPr>
+          <p:cNvSpPr>
+            <a:spLocks noGrp="1" noRot="1" noChangeAspect="1" noMove="1" noResize="1" noEditPoints="1" noAdjustHandles="1" noChangeArrowheads="1" noChangeShapeType="1" noTextEdit="1"/>
+          </p:cNvSpPr>
+          <p:nvPr>
+            <p:extLst>
+              <p:ext uri="{386F3935-93C4-4BCD-93E2-E3B085C9AB24}">
+                <p16:designElem xmlns:p16="http://schemas.microsoft.com/office/powerpoint/2015/main" val="1"/>
+              </p:ext>
+            </p:extLst>
+          </p:nvPr>
+        </p:nvSpPr>
+        <p:spPr>
+          <a:xfrm>
+            <a:off x="522732" y="521208"/>
+            <a:ext cx="11146536" cy="5815584"/>
+          </a:xfrm>
+          <a:prstGeom prst="rect">
+            <a:avLst/>
+          </a:prstGeom>
+          <a:noFill/>
+          <a:ln w="69850">
+            <a:solidFill>
+              <a:schemeClr val="tx1">
+                <a:lumMod val="75000"/>
+                <a:lumOff val="25000"/>
+              </a:schemeClr>
+            </a:solidFill>
+            <a:miter lim="800000"/>
+          </a:ln>
+        </p:spPr>
+        <p:style>
+          <a:lnRef idx="2">
+            <a:schemeClr val="accent1">
+              <a:shade val="50000"/>
+            </a:schemeClr>
+          </a:lnRef>
+          <a:fillRef idx="1">
+            <a:schemeClr val="accent1"/>
+          </a:fillRef>
+          <a:effectRef idx="0">
+            <a:schemeClr val="accent1"/>
+          </a:effectRef>
+          <a:fontRef idx="minor">
+            <a:schemeClr val="lt1"/>
+          </a:fontRef>
+        </p:style>
+        <p:txBody>
+          <a:bodyPr rtlCol="0" anchor="ctr"/>
+          <a:lstStyle/>
+          <a:p>
+            <a:pPr algn="ctr"/>
+            <a:endParaRPr lang="en-US"/>
+          </a:p>
+        </p:txBody>
+      </p:sp>
+      <p:pic>
+        <p:nvPicPr>
+          <p:cNvPr id="5" name="Content Placeholder 4" descr="A picture containing icon&#10;&#10;Description automatically generated">
+            <a:extLst>
+              <a:ext uri="{FF2B5EF4-FFF2-40B4-BE49-F238E27FC236}">
+                <a16:creationId xmlns:a16="http://schemas.microsoft.com/office/drawing/2014/main" id="{F5B55FE0-213D-4156-B0E7-4B83BC0B367C}"/>
+              </a:ext>
+            </a:extLst>
+          </p:cNvPr>
+          <p:cNvPicPr>
+            <a:picLocks noGrp="1" noChangeAspect="1"/>
+          </p:cNvPicPr>
+          <p:nvPr>
+            <p:ph idx="1"/>
+          </p:nvPr>
+        </p:nvPicPr>
+        <p:blipFill>
+          <a:blip r:embed="rId2"/>
+          <a:stretch>
+            <a:fillRect/>
+          </a:stretch>
+        </p:blipFill>
+        <p:spPr>
+          <a:xfrm>
+            <a:off x="5427636" y="621453"/>
+            <a:ext cx="6143980" cy="3686387"/>
+          </a:xfrm>
+          <a:prstGeom prst="rect">
+            <a:avLst/>
+          </a:prstGeom>
+        </p:spPr>
+      </p:pic>
+      <p:sp>
+        <p:nvSpPr>
+          <p:cNvPr id="18" name="TextBox 17">
+            <a:extLst>
+              <a:ext uri="{FF2B5EF4-FFF2-40B4-BE49-F238E27FC236}">
+                <a16:creationId xmlns:a16="http://schemas.microsoft.com/office/drawing/2014/main" id="{95EB89DC-C8C5-46A0-9114-D36C66E4FB52}"/>
+              </a:ext>
+            </a:extLst>
+          </p:cNvPr>
+          <p:cNvSpPr txBox="1"/>
+          <p:nvPr/>
+        </p:nvSpPr>
+        <p:spPr>
+          <a:xfrm>
+            <a:off x="819150" y="703490"/>
+            <a:ext cx="4705350" cy="4344779"/>
+          </a:xfrm>
+          <a:prstGeom prst="rect">
+            <a:avLst/>
+          </a:prstGeom>
+          <a:noFill/>
+        </p:spPr>
+        <p:txBody>
+          <a:bodyPr wrap="square">
+            <a:spAutoFit/>
+          </a:bodyPr>
+          <a:lstStyle/>
+          <a:p>
+            <a:pPr marL="457200" marR="0" lvl="0" indent="-457200">
+              <a:lnSpc>
+                <a:spcPct val="107000"/>
+              </a:lnSpc>
+              <a:spcBef>
+                <a:spcPts val="0"/>
+              </a:spcBef>
+              <a:spcAft>
+                <a:spcPts val="0"/>
+              </a:spcAft>
+              <a:buFont typeface="Arial" panose="020B0604020202020204" pitchFamily="34" charset="0"/>
+              <a:buChar char="•"/>
+            </a:pPr>
+            <a:r>
+              <a:rPr lang="en-US" sz="2600" dirty="0">
+                <a:effectLst/>
+                <a:latin typeface="Times New Roman" panose="02020603050405020304" pitchFamily="18" charset="0"/>
+                <a:ea typeface="Times New Roman" panose="02020603050405020304" pitchFamily="18" charset="0"/>
+                <a:cs typeface="Times New Roman" panose="02020603050405020304" pitchFamily="18" charset="0"/>
+              </a:rPr>
+              <a:t>Announce in 2014 by IBM</a:t>
+            </a:r>
+          </a:p>
+          <a:p>
+            <a:pPr marL="457200" marR="0" lvl="0" indent="-457200">
+              <a:lnSpc>
+                <a:spcPct val="107000"/>
+              </a:lnSpc>
+              <a:spcBef>
+                <a:spcPts val="0"/>
+              </a:spcBef>
+              <a:spcAft>
+                <a:spcPts val="0"/>
+              </a:spcAft>
+              <a:buFont typeface="Arial" panose="020B0604020202020204" pitchFamily="34" charset="0"/>
+              <a:buChar char="•"/>
+            </a:pPr>
+            <a:r>
+              <a:rPr lang="en-US" sz="2600" dirty="0">
+                <a:effectLst/>
+                <a:latin typeface="Times New Roman" panose="02020603050405020304" pitchFamily="18" charset="0"/>
+                <a:ea typeface="Times New Roman" panose="02020603050405020304" pitchFamily="18" charset="0"/>
+                <a:cs typeface="Times New Roman" panose="02020603050405020304" pitchFamily="18" charset="0"/>
+              </a:rPr>
+              <a:t>Combined Watson’s Natural Language Processing (NLP), IBM Cloud, massive databank of unstructured text and metadata, for analytics use.</a:t>
+            </a:r>
+          </a:p>
+          <a:p>
+            <a:pPr marL="457200" marR="0" lvl="0" indent="-457200">
+              <a:lnSpc>
+                <a:spcPct val="107000"/>
+              </a:lnSpc>
+              <a:spcBef>
+                <a:spcPts val="0"/>
+              </a:spcBef>
+              <a:spcAft>
+                <a:spcPts val="0"/>
+              </a:spcAft>
+              <a:buFont typeface="Arial" panose="020B0604020202020204" pitchFamily="34" charset="0"/>
+              <a:buChar char="•"/>
+            </a:pPr>
+            <a:r>
+              <a:rPr lang="en-US" sz="2600" dirty="0">
+                <a:effectLst/>
+                <a:latin typeface="Times New Roman" panose="02020603050405020304" pitchFamily="18" charset="0"/>
+                <a:ea typeface="Times New Roman" panose="02020603050405020304" pitchFamily="18" charset="0"/>
+                <a:cs typeface="Times New Roman" panose="02020603050405020304" pitchFamily="18" charset="0"/>
+              </a:rPr>
+              <a:t>Promised to improve accuracy of determining patient illness, with unbiased, fact driven diagnosing.</a:t>
+            </a:r>
+          </a:p>
+        </p:txBody>
+      </p:sp>
+    </p:spTree>
+    <p:extLst>
+      <p:ext uri="{BB962C8B-B14F-4D97-AF65-F5344CB8AC3E}">
+        <p14:creationId xmlns:p14="http://schemas.microsoft.com/office/powerpoint/2010/main" val="2129661385"/>
+      </p:ext>
+    </p:extLst>
+  </p:cSld>
+  <p:clrMapOvr>
+    <a:overrideClrMapping bg1="dk1" tx1="lt1" bg2="dk2" tx2="lt2" accent1="accent1" accent2="accent2" accent3="accent3" accent4="accent4" accent5="accent5" accent6="accent6" hlink="hlink" folHlink="folHlink"/>
+  </p:clrMapOvr>
+</p:sld>
+</file>
+
+<file path=ppt/slides/slide4.xml><?xml version="1.0" encoding="utf-8"?>
+<p:sld xmlns:a="http://schemas.openxmlformats.org/drawingml/2006/main" xmlns:r="http://schemas.openxmlformats.org/officeDocument/2006/relationships" xmlns:p="http://schemas.openxmlformats.org/presentationml/2006/main">
+  <p:cSld>
+    <p:bg>
+      <p:bgPr>
+        <a:solidFill>
+          <a:schemeClr val="tx1"/>
+        </a:solidFill>
+        <a:effectLst/>
+      </p:bgPr>
+    </p:bg>
+    <p:spTree>
+      <p:nvGrpSpPr>
+        <p:cNvPr id="1" name=""/>
+        <p:cNvGrpSpPr/>
+        <p:nvPr/>
+      </p:nvGrpSpPr>
+      <p:grpSpPr>
+        <a:xfrm>
+          <a:off x="0" y="0"/>
+          <a:ext cx="0" cy="0"/>
+          <a:chOff x="0" y="0"/>
+          <a:chExt cx="0" cy="0"/>
+        </a:xfrm>
+      </p:grpSpPr>
+      <p:sp>
+        <p:nvSpPr>
+          <p:cNvPr id="2" name="Title 1">
+            <a:extLst>
+              <a:ext uri="{FF2B5EF4-FFF2-40B4-BE49-F238E27FC236}">
+                <a16:creationId xmlns:a16="http://schemas.microsoft.com/office/drawing/2014/main" id="{E54CA74F-FB5D-45AF-983F-E937D8CDA194}"/>
+              </a:ext>
+            </a:extLst>
+          </p:cNvPr>
+          <p:cNvSpPr>
+            <a:spLocks noGrp="1"/>
+          </p:cNvSpPr>
+          <p:nvPr>
+            <p:ph type="title"/>
+          </p:nvPr>
+        </p:nvSpPr>
+        <p:spPr/>
+        <p:txBody>
+          <a:bodyPr>
+            <a:normAutofit/>
+          </a:bodyPr>
+          <a:lstStyle/>
+          <a:p>
+            <a:r>
+              <a:rPr lang="en-US" sz="8000" dirty="0">
+                <a:solidFill>
+                  <a:schemeClr val="bg1"/>
+                </a:solidFill>
+              </a:rPr>
+              <a:t>Reality</a:t>
+            </a:r>
+          </a:p>
+        </p:txBody>
+      </p:sp>
+      <p:pic>
+        <p:nvPicPr>
+          <p:cNvPr id="5" name="Content Placeholder 4" descr="A picture containing graphical user interface&#10;&#10;Description automatically generated">
+            <a:extLst>
+              <a:ext uri="{FF2B5EF4-FFF2-40B4-BE49-F238E27FC236}">
+                <a16:creationId xmlns:a16="http://schemas.microsoft.com/office/drawing/2014/main" id="{C0F08523-EB15-4AC4-AE05-82B521665986}"/>
+              </a:ext>
+            </a:extLst>
+          </p:cNvPr>
+          <p:cNvPicPr>
+            <a:picLocks noGrp="1" noChangeAspect="1"/>
+          </p:cNvPicPr>
+          <p:nvPr>
+            <p:ph idx="1"/>
+          </p:nvPr>
+        </p:nvPicPr>
+        <p:blipFill>
+          <a:blip r:embed="rId2"/>
+          <a:stretch>
+            <a:fillRect/>
+          </a:stretch>
+        </p:blipFill>
+        <p:spPr>
+          <a:xfrm rot="1093391">
+            <a:off x="6385608" y="742618"/>
+            <a:ext cx="5352584" cy="3760788"/>
+          </a:xfrm>
+        </p:spPr>
+      </p:pic>
+      <p:pic>
+        <p:nvPicPr>
+          <p:cNvPr id="7" name="Picture 6" descr="Graphical user interface, text, application&#10;&#10;Description automatically generated">
+            <a:extLst>
+              <a:ext uri="{FF2B5EF4-FFF2-40B4-BE49-F238E27FC236}">
+                <a16:creationId xmlns:a16="http://schemas.microsoft.com/office/drawing/2014/main" id="{1F516248-48C5-42C2-937C-760D1A2A5874}"/>
+              </a:ext>
+            </a:extLst>
+          </p:cNvPr>
+          <p:cNvPicPr>
+            <a:picLocks noChangeAspect="1"/>
+          </p:cNvPicPr>
+          <p:nvPr/>
+        </p:nvPicPr>
+        <p:blipFill>
+          <a:blip r:embed="rId3"/>
+          <a:stretch>
+            <a:fillRect/>
+          </a:stretch>
+        </p:blipFill>
+        <p:spPr>
+          <a:xfrm rot="19790449">
+            <a:off x="913870" y="2833565"/>
+            <a:ext cx="4076231" cy="3143878"/>
+          </a:xfrm>
+          <a:prstGeom prst="rect">
+            <a:avLst/>
+          </a:prstGeom>
+        </p:spPr>
+      </p:pic>
+      <p:pic>
+        <p:nvPicPr>
+          <p:cNvPr id="9" name="Picture 8" descr="Graphical user interface, application&#10;&#10;Description automatically generated">
+            <a:extLst>
+              <a:ext uri="{FF2B5EF4-FFF2-40B4-BE49-F238E27FC236}">
+                <a16:creationId xmlns:a16="http://schemas.microsoft.com/office/drawing/2014/main" id="{84283855-C17E-4449-9AFC-5DC69DC75D8A}"/>
+              </a:ext>
+            </a:extLst>
+          </p:cNvPr>
+          <p:cNvPicPr>
+            <a:picLocks noChangeAspect="1"/>
+          </p:cNvPicPr>
+          <p:nvPr/>
+        </p:nvPicPr>
+        <p:blipFill>
+          <a:blip r:embed="rId4"/>
+          <a:stretch>
+            <a:fillRect/>
+          </a:stretch>
+        </p:blipFill>
+        <p:spPr>
+          <a:xfrm rot="527643">
+            <a:off x="4695717" y="1611976"/>
+            <a:ext cx="4048234" cy="4412940"/>
+          </a:xfrm>
+          <a:prstGeom prst="rect">
+            <a:avLst/>
+          </a:prstGeom>
+        </p:spPr>
+      </p:pic>
+    </p:spTree>
+    <p:extLst>
+      <p:ext uri="{BB962C8B-B14F-4D97-AF65-F5344CB8AC3E}">
+        <p14:creationId xmlns:p14="http://schemas.microsoft.com/office/powerpoint/2010/main" val="272592768"/>
+      </p:ext>
+    </p:extLst>
+  </p:cSld>
+  <p:clrMapOvr>
+    <a:masterClrMapping/>
+  </p:clrMapOvr>
+  <p:timing>
+    <p:tnLst>
+      <p:par>
+        <p:cTn id="1" dur="indefinite" restart="never" nodeType="tmRoot">
+          <p:childTnLst>
+            <p:seq concurrent="1" nextAc="seek">
+              <p:cTn id="2" dur="indefinite" nodeType="mainSeq">
+                <p:childTnLst>
+                  <p:par>
+                    <p:cTn id="3" fill="hold">
+                      <p:stCondLst>
+                        <p:cond delay="indefinite"/>
+                      </p:stCondLst>
+                      <p:childTnLst>
+                        <p:par>
+                          <p:cTn id="4" fill="hold">
+                            <p:stCondLst>
+                              <p:cond delay="0"/>
+                            </p:stCondLst>
+                            <p:childTnLst>
+                              <p:par>
+                                <p:cTn id="5" presetID="2" presetClass="entr" presetSubtype="9" fill="hold" nodeType="clickEffect">
+                                  <p:stCondLst>
+                                    <p:cond delay="0"/>
+                                  </p:stCondLst>
+                                  <p:childTnLst>
+                                    <p:set>
+                                      <p:cBhvr>
+                                        <p:cTn id="6" dur="1" fill="hold">
+                                          <p:stCondLst>
+                                            <p:cond delay="0"/>
+                                          </p:stCondLst>
+                                        </p:cTn>
+                                        <p:tgtEl>
+                                          <p:spTgt spid="5"/>
+                                        </p:tgtEl>
+                                        <p:attrNameLst>
+                                          <p:attrName>style.visibility</p:attrName>
+                                        </p:attrNameLst>
+                                      </p:cBhvr>
+                                      <p:to>
+                                        <p:strVal val="visible"/>
+                                      </p:to>
+                                    </p:set>
+                                    <p:anim calcmode="lin" valueType="num">
+                                      <p:cBhvr additive="base">
+                                        <p:cTn id="7" dur="500" fill="hold"/>
+                                        <p:tgtEl>
+                                          <p:spTgt spid="5"/>
+                                        </p:tgtEl>
+                                        <p:attrNameLst>
+                                          <p:attrName>ppt_x</p:attrName>
+                                        </p:attrNameLst>
+                                      </p:cBhvr>
+                                      <p:tavLst>
+                                        <p:tav tm="0">
+                                          <p:val>
+                                            <p:strVal val="0-#ppt_w/2"/>
+                                          </p:val>
+                                        </p:tav>
+                                        <p:tav tm="100000">
+                                          <p:val>
+                                            <p:strVal val="#ppt_x"/>
+                                          </p:val>
+                                        </p:tav>
+                                      </p:tavLst>
+                                    </p:anim>
+                                    <p:anim calcmode="lin" valueType="num">
+                                      <p:cBhvr additive="base">
+                                        <p:cTn id="8" dur="500" fill="hold"/>
+                                        <p:tgtEl>
+                                          <p:spTgt spid="5"/>
+                                        </p:tgtEl>
+                                        <p:attrNameLst>
+                                          <p:attrName>ppt_y</p:attrName>
+                                        </p:attrNameLst>
+                                      </p:cBhvr>
+                                      <p:tavLst>
+                                        <p:tav tm="0">
+                                          <p:val>
+                                            <p:strVal val="0-#ppt_h/2"/>
+                                          </p:val>
+                                        </p:tav>
+                                        <p:tav tm="100000">
+                                          <p:val>
+                                            <p:strVal val="#ppt_y"/>
+                                          </p:val>
+                                        </p:tav>
+                                      </p:tavLst>
+                                    </p:anim>
+                                  </p:childTnLst>
+                                </p:cTn>
+                              </p:par>
+                            </p:childTnLst>
+                          </p:cTn>
+                        </p:par>
+                      </p:childTnLst>
+                    </p:cTn>
+                  </p:par>
+                  <p:par>
+                    <p:cTn id="9" fill="hold">
+                      <p:stCondLst>
+                        <p:cond delay="indefinite"/>
+                      </p:stCondLst>
+                      <p:childTnLst>
+                        <p:par>
+                          <p:cTn id="10" fill="hold">
+                            <p:stCondLst>
+                              <p:cond delay="0"/>
+                            </p:stCondLst>
+                            <p:childTnLst>
+                              <p:par>
+                                <p:cTn id="11" presetID="47" presetClass="entr" presetSubtype="0" fill="hold" nodeType="clickEffect">
+                                  <p:stCondLst>
+                                    <p:cond delay="0"/>
+                                  </p:stCondLst>
+                                  <p:childTnLst>
+                                    <p:set>
+                                      <p:cBhvr>
+                                        <p:cTn id="12" dur="1" fill="hold">
+                                          <p:stCondLst>
+                                            <p:cond delay="0"/>
+                                          </p:stCondLst>
+                                        </p:cTn>
+                                        <p:tgtEl>
+                                          <p:spTgt spid="7"/>
+                                        </p:tgtEl>
+                                        <p:attrNameLst>
+                                          <p:attrName>style.visibility</p:attrName>
+                                        </p:attrNameLst>
+                                      </p:cBhvr>
+                                      <p:to>
+                                        <p:strVal val="visible"/>
+                                      </p:to>
+                                    </p:set>
+                                    <p:animEffect transition="in" filter="fade">
+                                      <p:cBhvr>
+                                        <p:cTn id="13" dur="1000"/>
+                                        <p:tgtEl>
+                                          <p:spTgt spid="7"/>
+                                        </p:tgtEl>
+                                      </p:cBhvr>
+                                    </p:animEffect>
+                                    <p:anim calcmode="lin" valueType="num">
+                                      <p:cBhvr>
+                                        <p:cTn id="14" dur="1000" fill="hold"/>
+                                        <p:tgtEl>
+                                          <p:spTgt spid="7"/>
+                                        </p:tgtEl>
+                                        <p:attrNameLst>
+                                          <p:attrName>ppt_x</p:attrName>
+                                        </p:attrNameLst>
+                                      </p:cBhvr>
+                                      <p:tavLst>
+                                        <p:tav tm="0">
+                                          <p:val>
+                                            <p:strVal val="#ppt_x"/>
+                                          </p:val>
+                                        </p:tav>
+                                        <p:tav tm="100000">
+                                          <p:val>
+                                            <p:strVal val="#ppt_x"/>
+                                          </p:val>
+                                        </p:tav>
+                                      </p:tavLst>
+                                    </p:anim>
+                                    <p:anim calcmode="lin" valueType="num">
+                                      <p:cBhvr>
+                                        <p:cTn id="15" dur="1000" fill="hold"/>
+                                        <p:tgtEl>
+                                          <p:spTgt spid="7"/>
+                                        </p:tgtEl>
+                                        <p:attrNameLst>
+                                          <p:attrName>ppt_y</p:attrName>
+                                        </p:attrNameLst>
+                                      </p:cBhvr>
+                                      <p:tavLst>
+                                        <p:tav tm="0">
+                                          <p:val>
+                                            <p:strVal val="#ppt_y-.1"/>
+                                          </p:val>
+                                        </p:tav>
+                                        <p:tav tm="100000">
+                                          <p:val>
+                                            <p:strVal val="#ppt_y"/>
+                                          </p:val>
+                                        </p:tav>
+                                      </p:tavLst>
+                                    </p:anim>
+                                  </p:childTnLst>
+                                </p:cTn>
+                              </p:par>
+                            </p:childTnLst>
+                          </p:cTn>
+                        </p:par>
+                      </p:childTnLst>
+                    </p:cTn>
+                  </p:par>
+                  <p:par>
+                    <p:cTn id="16" fill="hold">
+                      <p:stCondLst>
+                        <p:cond delay="indefinite"/>
+                      </p:stCondLst>
+                      <p:childTnLst>
+                        <p:par>
+                          <p:cTn id="17" fill="hold">
+                            <p:stCondLst>
+                              <p:cond delay="0"/>
+                            </p:stCondLst>
+                            <p:childTnLst>
+                              <p:par>
+                                <p:cTn id="18" presetID="22" presetClass="entr" presetSubtype="2" fill="hold" nodeType="clickEffect">
+                                  <p:stCondLst>
+                                    <p:cond delay="0"/>
+                                  </p:stCondLst>
+                                  <p:childTnLst>
+                                    <p:set>
+                                      <p:cBhvr>
+                                        <p:cTn id="19" dur="1" fill="hold">
+                                          <p:stCondLst>
+                                            <p:cond delay="0"/>
+                                          </p:stCondLst>
+                                        </p:cTn>
+                                        <p:tgtEl>
+                                          <p:spTgt spid="9"/>
+                                        </p:tgtEl>
+                                        <p:attrNameLst>
+                                          <p:attrName>style.visibility</p:attrName>
+                                        </p:attrNameLst>
+                                      </p:cBhvr>
+                                      <p:to>
+                                        <p:strVal val="visible"/>
+                                      </p:to>
+                                    </p:set>
+                                    <p:animEffect transition="in" filter="wipe(right)">
+                                      <p:cBhvr>
+                                        <p:cTn id="20" dur="500"/>
+                                        <p:tgtEl>
+                                          <p:spTgt spid="9"/>
+                                        </p:tgtEl>
+                                      </p:cBhvr>
+                                    </p:animEffect>
+                                  </p:childTnLst>
+                                </p:cTn>
+                              </p:par>
+                            </p:childTnLst>
+                          </p:cTn>
+                        </p:par>
+                      </p:childTnLst>
+                    </p:cTn>
+                  </p:par>
+                </p:childTnLst>
+              </p:cTn>
+              <p:prevCondLst>
+                <p:cond evt="onPrev" delay="0">
+                  <p:tgtEl>
+                    <p:sldTgt/>
+                  </p:tgtEl>
+                </p:cond>
+              </p:prevCondLst>
+              <p:nextCondLst>
+                <p:cond evt="onNext" delay="0">
+                  <p:tgtEl>
+                    <p:sldTgt/>
+                  </p:tgtEl>
+                </p:cond>
+              </p:nextCondLst>
+            </p:seq>
+          </p:childTnLst>
+        </p:cTn>
+      </p:par>
+    </p:tnLst>
+  </p:timing>
+</p:sld>
+</file>
+
+<file path=ppt/slides/slide5.xml><?xml version="1.0" encoding="utf-8"?>
+<p:sld xmlns:a="http://schemas.openxmlformats.org/drawingml/2006/main" xmlns:r="http://schemas.openxmlformats.org/officeDocument/2006/relationships" xmlns:p="http://schemas.openxmlformats.org/presentationml/2006/main">
+  <p:cSld>
+    <p:spTree>
+      <p:nvGrpSpPr>
+        <p:cNvPr id="1" name=""/>
+        <p:cNvGrpSpPr/>
+        <p:nvPr/>
+      </p:nvGrpSpPr>
+      <p:grpSpPr>
+        <a:xfrm>
+          <a:off x="0" y="0"/>
+          <a:ext cx="0" cy="0"/>
+          <a:chOff x="0" y="0"/>
+          <a:chExt cx="0" cy="0"/>
+        </a:xfrm>
+      </p:grpSpPr>
+      <p:sp>
+        <p:nvSpPr>
+          <p:cNvPr id="2" name="Title 1">
+            <a:extLst>
+              <a:ext uri="{FF2B5EF4-FFF2-40B4-BE49-F238E27FC236}">
+                <a16:creationId xmlns:a16="http://schemas.microsoft.com/office/drawing/2014/main" id="{A7EFE8BF-C6EA-4B3D-BAD9-85804366863F}"/>
+              </a:ext>
+            </a:extLst>
+          </p:cNvPr>
+          <p:cNvSpPr>
+            <a:spLocks noGrp="1"/>
+          </p:cNvSpPr>
+          <p:nvPr>
+            <p:ph type="title"/>
+          </p:nvPr>
+        </p:nvSpPr>
+        <p:spPr/>
+        <p:txBody>
+          <a:bodyPr/>
+          <a:lstStyle/>
+          <a:p>
+            <a:endParaRPr lang="en-US"/>
+          </a:p>
+        </p:txBody>
+      </p:sp>
+      <p:sp>
+        <p:nvSpPr>
+          <p:cNvPr id="3" name="Content Placeholder 2">
+            <a:extLst>
+              <a:ext uri="{FF2B5EF4-FFF2-40B4-BE49-F238E27FC236}">
+                <a16:creationId xmlns:a16="http://schemas.microsoft.com/office/drawing/2014/main" id="{0F4A1513-E92A-4D7C-BB63-05FEF67A863E}"/>
+              </a:ext>
+            </a:extLst>
+          </p:cNvPr>
+          <p:cNvSpPr>
+            <a:spLocks noGrp="1"/>
+          </p:cNvSpPr>
+          <p:nvPr>
+            <p:ph idx="1"/>
+          </p:nvPr>
+        </p:nvSpPr>
+        <p:spPr/>
+        <p:txBody>
+          <a:bodyPr/>
+          <a:lstStyle/>
+          <a:p>
+            <a:endParaRPr lang="en-US"/>
+          </a:p>
+        </p:txBody>
+      </p:sp>
+    </p:spTree>
+    <p:extLst>
+      <p:ext uri="{BB962C8B-B14F-4D97-AF65-F5344CB8AC3E}">
+        <p14:creationId xmlns:p14="http://schemas.microsoft.com/office/powerpoint/2010/main" val="1933689812"/>
       </p:ext>
     </p:extLst>
   </p:cSld>
@@ -5108,24 +6228,6 @@
 </file>
 
 <file path=customXml/item1.xml><?xml version="1.0" encoding="utf-8"?>
-<p:properties xmlns:p="http://schemas.microsoft.com/office/2006/metadata/properties" xmlns:xsi="http://www.w3.org/2001/XMLSchema-instance" xmlns:pc="http://schemas.microsoft.com/office/infopath/2007/PartnerControls">
-  <documentManagement>
-    <Status xmlns="71af3243-3dd4-4a8d-8c0d-dd76da1f02a5">Not started</Status>
-    <MediaServiceKeyPoints xmlns="71af3243-3dd4-4a8d-8c0d-dd76da1f02a5" xsi:nil="true"/>
-  </documentManagement>
-</p:properties>
-</file>
-
-<file path=customXml/item2.xml><?xml version="1.0" encoding="utf-8"?>
-<?mso-contentType ?>
-<FormTemplates xmlns="http://schemas.microsoft.com/sharepoint/v3/contenttype/forms">
-  <Display>DocumentLibraryForm</Display>
-  <Edit>DocumentLibraryForm</Edit>
-  <New>DocumentLibraryForm</New>
-</FormTemplates>
-</file>
-
-<file path=customXml/item3.xml><?xml version="1.0" encoding="utf-8"?>
 <ct:contentTypeSchema xmlns:ct="http://schemas.microsoft.com/office/2006/metadata/contentType" xmlns:ma="http://schemas.microsoft.com/office/2006/metadata/properties/metaAttributes" ct:_="" ma:_="" ma:contentTypeName="Document" ma:contentTypeID="0x01010079F111ED35F8CC479449609E8A0923A6" ma:contentTypeVersion="12" ma:contentTypeDescription="Create a new document." ma:contentTypeScope="" ma:versionID="a410dd7f93c95333ffa1b60ed6adedd1">
   <xsd:schema xmlns:xsd="http://www.w3.org/2001/XMLSchema" xmlns:xs="http://www.w3.org/2001/XMLSchema" xmlns:p="http://schemas.microsoft.com/office/2006/metadata/properties" xmlns:ns2="71af3243-3dd4-4a8d-8c0d-dd76da1f02a5" xmlns:ns3="16c05727-aa75-4e4a-9b5f-8a80a1165891" targetNamespace="http://schemas.microsoft.com/office/2006/metadata/properties" ma:root="true" ma:fieldsID="a936d9baba76aa3866493feff160faab" ns2:_="" ns3:_="">
     <xsd:import namespace="71af3243-3dd4-4a8d-8c0d-dd76da1f02a5"/>
@@ -5346,25 +6448,25 @@
 </ct:contentTypeSchema>
 </file>
 
-<file path=customXml/itemProps1.xml><?xml version="1.0" encoding="utf-8"?>
-<ds:datastoreItem xmlns:ds="http://schemas.openxmlformats.org/officeDocument/2006/customXml" ds:itemID="{A03EEFF0-FB57-4CB4-8BFC-DF397689E2ED}">
-  <ds:schemaRefs>
-    <ds:schemaRef ds:uri="http://schemas.microsoft.com/office/2006/metadata/properties"/>
-    <ds:schemaRef ds:uri="http://schemas.microsoft.com/office/infopath/2007/PartnerControls"/>
-    <ds:schemaRef ds:uri="71af3243-3dd4-4a8d-8c0d-dd76da1f02a5"/>
-  </ds:schemaRefs>
-</ds:datastoreItem>
+<file path=customXml/item2.xml><?xml version="1.0" encoding="utf-8"?>
+<?mso-contentType ?>
+<FormTemplates xmlns="http://schemas.microsoft.com/sharepoint/v3/contenttype/forms">
+  <Display>DocumentLibraryForm</Display>
+  <Edit>DocumentLibraryForm</Edit>
+  <New>DocumentLibraryForm</New>
+</FormTemplates>
 </file>
 
-<file path=customXml/itemProps2.xml><?xml version="1.0" encoding="utf-8"?>
-<ds:datastoreItem xmlns:ds="http://schemas.openxmlformats.org/officeDocument/2006/customXml" ds:itemID="{AA3F7EDC-E5B4-4BBC-9D2A-CBE6D46C37AD}">
-  <ds:schemaRefs>
-    <ds:schemaRef ds:uri="http://schemas.microsoft.com/sharepoint/v3/contenttype/forms"/>
-  </ds:schemaRefs>
-</ds:datastoreItem>
+<file path=customXml/item3.xml><?xml version="1.0" encoding="utf-8"?>
+<p:properties xmlns:p="http://schemas.microsoft.com/office/2006/metadata/properties" xmlns:xsi="http://www.w3.org/2001/XMLSchema-instance" xmlns:pc="http://schemas.microsoft.com/office/infopath/2007/PartnerControls">
+  <documentManagement>
+    <Status xmlns="71af3243-3dd4-4a8d-8c0d-dd76da1f02a5">Not started</Status>
+    <MediaServiceKeyPoints xmlns="71af3243-3dd4-4a8d-8c0d-dd76da1f02a5" xsi:nil="true"/>
+  </documentManagement>
+</p:properties>
 </file>
 
-<file path=customXml/itemProps3.xml><?xml version="1.0" encoding="utf-8"?>
+<file path=customXml/itemProps1.xml><?xml version="1.0" encoding="utf-8"?>
 <ds:datastoreItem xmlns:ds="http://schemas.openxmlformats.org/officeDocument/2006/customXml" ds:itemID="{93932EF5-314F-409E-8020-FEE5FA0795B9}">
   <ds:schemaRefs>
     <ds:schemaRef ds:uri="http://schemas.microsoft.com/office/2006/metadata/contentType"/>
@@ -5381,4 +6483,22 @@
     <ds:schemaRef ds:uri="http://schemas.microsoft.com/internal/obd"/>
   </ds:schemaRefs>
 </ds:datastoreItem>
+</file>
+
+<file path=customXml/itemProps2.xml><?xml version="1.0" encoding="utf-8"?>
+<ds:datastoreItem xmlns:ds="http://schemas.openxmlformats.org/officeDocument/2006/customXml" ds:itemID="{AA3F7EDC-E5B4-4BBC-9D2A-CBE6D46C37AD}">
+  <ds:schemaRefs>
+    <ds:schemaRef ds:uri="http://schemas.microsoft.com/sharepoint/v3/contenttype/forms"/>
+  </ds:schemaRefs>
+</ds:datastoreItem>
+</file>
+
+<file path=customXml/itemProps3.xml><?xml version="1.0" encoding="utf-8"?>
+<ds:datastoreItem xmlns:ds="http://schemas.openxmlformats.org/officeDocument/2006/customXml" ds:itemID="{A03EEFF0-FB57-4CB4-8BFC-DF397689E2ED}">
+  <ds:schemaRefs>
+    <ds:schemaRef ds:uri="http://schemas.microsoft.com/office/2006/metadata/properties"/>
+    <ds:schemaRef ds:uri="http://schemas.microsoft.com/office/infopath/2007/PartnerControls"/>
+    <ds:schemaRef ds:uri="71af3243-3dd4-4a8d-8c0d-dd76da1f02a5"/>
+  </ds:schemaRefs>
+</ds:datastoreItem>
 </file>
--- a/Presentation/Data Science with Contact Tracing.pptx
+++ b/Presentation/Data Science with Contact Tracing.pptx
@@ -10,6 +10,7 @@
     <p:sldId id="301" r:id="rId7"/>
     <p:sldId id="302" r:id="rId8"/>
     <p:sldId id="303" r:id="rId9"/>
+    <p:sldId id="304" r:id="rId10"/>
   </p:sldIdLst>
   <p:sldSz cx="12192000" cy="6858000"/>
   <p:notesSz cx="6858000" cy="9144000"/>
@@ -5795,6 +5796,34 @@
           <a:chExt cx="0" cy="0"/>
         </a:xfrm>
       </p:grpSpPr>
+      <p:pic>
+        <p:nvPicPr>
+          <p:cNvPr id="5" name="Content Placeholder 4" descr="Graphical user interface, application&#10;&#10;Description automatically generated">
+            <a:extLst>
+              <a:ext uri="{FF2B5EF4-FFF2-40B4-BE49-F238E27FC236}">
+                <a16:creationId xmlns:a16="http://schemas.microsoft.com/office/drawing/2014/main" id="{449847E3-5DEA-40C2-9F5A-B70097A4075D}"/>
+              </a:ext>
+            </a:extLst>
+          </p:cNvPr>
+          <p:cNvPicPr>
+            <a:picLocks noGrp="1" noChangeAspect="1"/>
+          </p:cNvPicPr>
+          <p:nvPr>
+            <p:ph idx="1"/>
+          </p:nvPr>
+        </p:nvPicPr>
+        <p:blipFill rotWithShape="1">
+          <a:blip r:embed="rId2"/>
+          <a:srcRect t="1606"/>
+          <a:stretch/>
+        </p:blipFill>
+        <p:spPr>
+          <a:xfrm>
+            <a:off x="0" y="-15240"/>
+            <a:ext cx="12192000" cy="6848489"/>
+          </a:xfrm>
+        </p:spPr>
+      </p:pic>
       <p:sp>
         <p:nvSpPr>
           <p:cNvPr id="2" name="Title 1">
@@ -5811,44 +5840,343 @@
             <p:ph type="title"/>
           </p:nvPr>
         </p:nvSpPr>
-        <p:spPr/>
+        <p:spPr>
+          <a:xfrm>
+            <a:off x="3789680" y="822960"/>
+            <a:ext cx="5862320" cy="1107440"/>
+          </a:xfrm>
+          <a:solidFill>
+            <a:schemeClr val="bg1"/>
+          </a:solidFill>
+        </p:spPr>
         <p:txBody>
-          <a:bodyPr/>
+          <a:bodyPr>
+            <a:normAutofit/>
+          </a:bodyPr>
           <a:lstStyle/>
           <a:p>
-            <a:endParaRPr lang="en-US"/>
+            <a:r>
+              <a:rPr lang="en-US" sz="5400" b="1" dirty="0"/>
+              <a:t>Contact Tracing</a:t>
+            </a:r>
           </a:p>
         </p:txBody>
       </p:sp>
-      <p:sp>
-        <p:nvSpPr>
-          <p:cNvPr id="3" name="Content Placeholder 2">
+    </p:spTree>
+    <p:extLst>
+      <p:ext uri="{BB962C8B-B14F-4D97-AF65-F5344CB8AC3E}">
+        <p14:creationId xmlns:p14="http://schemas.microsoft.com/office/powerpoint/2010/main" val="1933689812"/>
+      </p:ext>
+    </p:extLst>
+  </p:cSld>
+  <p:clrMapOvr>
+    <a:masterClrMapping/>
+  </p:clrMapOvr>
+</p:sld>
+</file>
+
+<file path=ppt/slides/slide6.xml><?xml version="1.0" encoding="utf-8"?>
+<p:sld xmlns:a="http://schemas.openxmlformats.org/drawingml/2006/main" xmlns:r="http://schemas.openxmlformats.org/officeDocument/2006/relationships" xmlns:p="http://schemas.openxmlformats.org/presentationml/2006/main">
+  <p:cSld>
+    <p:bg>
+      <p:bgPr>
+        <a:solidFill>
+          <a:schemeClr val="bg1"/>
+        </a:solidFill>
+        <a:effectLst/>
+      </p:bgPr>
+    </p:bg>
+    <p:spTree>
+      <p:nvGrpSpPr>
+        <p:cNvPr id="1" name=""/>
+        <p:cNvGrpSpPr/>
+        <p:nvPr/>
+      </p:nvGrpSpPr>
+      <p:grpSpPr>
+        <a:xfrm>
+          <a:off x="0" y="0"/>
+          <a:ext cx="0" cy="0"/>
+          <a:chOff x="0" y="0"/>
+          <a:chExt cx="0" cy="0"/>
+        </a:xfrm>
+      </p:grpSpPr>
+      <p:sp>
+        <p:nvSpPr>
+          <p:cNvPr id="10" name="Rectangle 9">
             <a:extLst>
               <a:ext uri="{FF2B5EF4-FFF2-40B4-BE49-F238E27FC236}">
-                <a16:creationId xmlns:a16="http://schemas.microsoft.com/office/drawing/2014/main" id="{0F4A1513-E92A-4D7C-BB63-05FEF67A863E}"/>
+                <a16:creationId xmlns:a16="http://schemas.microsoft.com/office/drawing/2014/main" id="{A8E9C91B-7EAD-4562-AB0E-DFB9663AECE3}"/>
+              </a:ext>
+              <a:ext uri="{C183D7F6-B498-43B3-948B-1728B52AA6E4}">
+                <adec:decorative xmlns:adec="http://schemas.microsoft.com/office/drawing/2017/decorative" val="1"/>
               </a:ext>
             </a:extLst>
           </p:cNvPr>
           <p:cNvSpPr>
-            <a:spLocks noGrp="1"/>
+            <a:spLocks noGrp="1" noRot="1" noChangeAspect="1" noMove="1" noResize="1" noEditPoints="1" noAdjustHandles="1" noChangeArrowheads="1" noChangeShapeType="1" noTextEdit="1"/>
           </p:cNvSpPr>
           <p:nvPr>
+            <p:extLst>
+              <p:ext uri="{386F3935-93C4-4BCD-93E2-E3B085C9AB24}">
+                <p16:designElem xmlns:p16="http://schemas.microsoft.com/office/powerpoint/2015/main" val="1"/>
+              </p:ext>
+            </p:extLst>
+          </p:nvPr>
+        </p:nvSpPr>
+        <p:spPr>
+          <a:xfrm>
+            <a:off x="3175" y="6400800"/>
+            <a:ext cx="12188825" cy="457200"/>
+          </a:xfrm>
+          <a:prstGeom prst="rect">
+            <a:avLst/>
+          </a:prstGeom>
+          <a:solidFill>
+            <a:srgbClr val="262626"/>
+          </a:solidFill>
+          <a:ln>
+            <a:noFill/>
+          </a:ln>
+        </p:spPr>
+        <p:style>
+          <a:lnRef idx="2">
+            <a:schemeClr val="accent1">
+              <a:shade val="50000"/>
+            </a:schemeClr>
+          </a:lnRef>
+          <a:fillRef idx="1">
+            <a:schemeClr val="accent1"/>
+          </a:fillRef>
+          <a:effectRef idx="0">
+            <a:schemeClr val="accent1"/>
+          </a:effectRef>
+          <a:fontRef idx="minor">
+            <a:schemeClr val="lt1"/>
+          </a:fontRef>
+        </p:style>
+      </p:sp>
+      <p:sp>
+        <p:nvSpPr>
+          <p:cNvPr id="12" name="Rectangle 11">
+            <a:extLst>
+              <a:ext uri="{FF2B5EF4-FFF2-40B4-BE49-F238E27FC236}">
+                <a16:creationId xmlns:a16="http://schemas.microsoft.com/office/drawing/2014/main" id="{41497DE5-0939-4D1D-9350-0C5E1B209C68}"/>
+              </a:ext>
+              <a:ext uri="{C183D7F6-B498-43B3-948B-1728B52AA6E4}">
+                <adec:decorative xmlns:adec="http://schemas.microsoft.com/office/drawing/2017/decorative" val="1"/>
+              </a:ext>
+            </a:extLst>
+          </p:cNvPr>
+          <p:cNvSpPr>
+            <a:spLocks noGrp="1" noRot="1" noChangeAspect="1" noMove="1" noResize="1" noEditPoints="1" noAdjustHandles="1" noChangeArrowheads="1" noChangeShapeType="1" noTextEdit="1"/>
+          </p:cNvSpPr>
+          <p:nvPr>
+            <p:extLst>
+              <p:ext uri="{386F3935-93C4-4BCD-93E2-E3B085C9AB24}">
+                <p16:designElem xmlns:p16="http://schemas.microsoft.com/office/powerpoint/2015/main" val="1"/>
+              </p:ext>
+            </p:extLst>
+          </p:nvPr>
+        </p:nvSpPr>
+        <p:spPr>
+          <a:xfrm>
+            <a:off x="0" y="0"/>
+            <a:ext cx="12192000" cy="6858000"/>
+          </a:xfrm>
+          <a:prstGeom prst="rect">
+            <a:avLst/>
+          </a:prstGeom>
+          <a:solidFill>
+            <a:srgbClr val="262626"/>
+          </a:solidFill>
+          <a:ln>
+            <a:noFill/>
+          </a:ln>
+        </p:spPr>
+        <p:style>
+          <a:lnRef idx="2">
+            <a:schemeClr val="accent1">
+              <a:shade val="50000"/>
+            </a:schemeClr>
+          </a:lnRef>
+          <a:fillRef idx="1">
+            <a:schemeClr val="accent1"/>
+          </a:fillRef>
+          <a:effectRef idx="0">
+            <a:schemeClr val="accent1"/>
+          </a:effectRef>
+          <a:fontRef idx="minor">
+            <a:schemeClr val="lt1"/>
+          </a:fontRef>
+        </p:style>
+        <p:txBody>
+          <a:bodyPr rtlCol="0" anchor="ctr"/>
+          <a:lstStyle/>
+          <a:p>
+            <a:pPr algn="ctr"/>
+            <a:endParaRPr lang="en-US"/>
+          </a:p>
+        </p:txBody>
+      </p:sp>
+      <p:sp>
+        <p:nvSpPr>
+          <p:cNvPr id="14" name="Rectangle 13">
+            <a:extLst>
+              <a:ext uri="{FF2B5EF4-FFF2-40B4-BE49-F238E27FC236}">
+                <a16:creationId xmlns:a16="http://schemas.microsoft.com/office/drawing/2014/main" id="{5CCC70ED-6C63-4537-B7EB-51990D6C0A6F}"/>
+              </a:ext>
+              <a:ext uri="{C183D7F6-B498-43B3-948B-1728B52AA6E4}">
+                <adec:decorative xmlns:adec="http://schemas.microsoft.com/office/drawing/2017/decorative" val="1"/>
+              </a:ext>
+            </a:extLst>
+          </p:cNvPr>
+          <p:cNvSpPr>
+            <a:spLocks noGrp="1" noRot="1" noChangeAspect="1" noMove="1" noResize="1" noEditPoints="1" noAdjustHandles="1" noChangeArrowheads="1" noChangeShapeType="1" noTextEdit="1"/>
+          </p:cNvSpPr>
+          <p:nvPr>
+            <p:extLst>
+              <p:ext uri="{386F3935-93C4-4BCD-93E2-E3B085C9AB24}">
+                <p16:designElem xmlns:p16="http://schemas.microsoft.com/office/powerpoint/2015/main" val="1"/>
+              </p:ext>
+            </p:extLst>
+          </p:nvPr>
+        </p:nvSpPr>
+        <p:spPr>
+          <a:xfrm>
+            <a:off x="458724" y="457200"/>
+            <a:ext cx="11274552" cy="5943600"/>
+          </a:xfrm>
+          <a:prstGeom prst="rect">
+            <a:avLst/>
+          </a:prstGeom>
+          <a:ln>
+            <a:noFill/>
+          </a:ln>
+        </p:spPr>
+        <p:style>
+          <a:lnRef idx="2">
+            <a:schemeClr val="accent1">
+              <a:shade val="50000"/>
+            </a:schemeClr>
+          </a:lnRef>
+          <a:fillRef idx="1">
+            <a:schemeClr val="accent1"/>
+          </a:fillRef>
+          <a:effectRef idx="0">
+            <a:schemeClr val="accent1"/>
+          </a:effectRef>
+          <a:fontRef idx="minor">
+            <a:schemeClr val="lt1"/>
+          </a:fontRef>
+        </p:style>
+        <p:txBody>
+          <a:bodyPr rtlCol="0" anchor="ctr"/>
+          <a:lstStyle/>
+          <a:p>
+            <a:pPr algn="ctr"/>
+            <a:endParaRPr lang="en-US"/>
+          </a:p>
+        </p:txBody>
+      </p:sp>
+      <p:sp>
+        <p:nvSpPr>
+          <p:cNvPr id="16" name="Rectangle 15">
+            <a:extLst>
+              <a:ext uri="{FF2B5EF4-FFF2-40B4-BE49-F238E27FC236}">
+                <a16:creationId xmlns:a16="http://schemas.microsoft.com/office/drawing/2014/main" id="{B76E24C1-2968-40DC-A36E-F6B85F0F0752}"/>
+              </a:ext>
+              <a:ext uri="{C183D7F6-B498-43B3-948B-1728B52AA6E4}">
+                <adec:decorative xmlns:adec="http://schemas.microsoft.com/office/drawing/2017/decorative" val="1"/>
+              </a:ext>
+            </a:extLst>
+          </p:cNvPr>
+          <p:cNvSpPr>
+            <a:spLocks noGrp="1" noRot="1" noChangeAspect="1" noMove="1" noResize="1" noEditPoints="1" noAdjustHandles="1" noChangeArrowheads="1" noChangeShapeType="1" noTextEdit="1"/>
+          </p:cNvSpPr>
+          <p:nvPr>
+            <p:extLst>
+              <p:ext uri="{386F3935-93C4-4BCD-93E2-E3B085C9AB24}">
+                <p16:designElem xmlns:p16="http://schemas.microsoft.com/office/powerpoint/2015/main" val="1"/>
+              </p:ext>
+            </p:extLst>
+          </p:nvPr>
+        </p:nvSpPr>
+        <p:spPr>
+          <a:xfrm>
+            <a:off x="522732" y="521208"/>
+            <a:ext cx="11146536" cy="5815584"/>
+          </a:xfrm>
+          <a:prstGeom prst="rect">
+            <a:avLst/>
+          </a:prstGeom>
+          <a:solidFill>
+            <a:srgbClr val="FFFFFF"/>
+          </a:solidFill>
+          <a:ln>
+            <a:noFill/>
+          </a:ln>
+        </p:spPr>
+        <p:style>
+          <a:lnRef idx="2">
+            <a:schemeClr val="accent1">
+              <a:shade val="50000"/>
+            </a:schemeClr>
+          </a:lnRef>
+          <a:fillRef idx="1">
+            <a:schemeClr val="accent1"/>
+          </a:fillRef>
+          <a:effectRef idx="0">
+            <a:schemeClr val="accent1"/>
+          </a:effectRef>
+          <a:fontRef idx="minor">
+            <a:schemeClr val="lt1"/>
+          </a:fontRef>
+        </p:style>
+        <p:txBody>
+          <a:bodyPr rtlCol="0" anchor="ctr"/>
+          <a:lstStyle/>
+          <a:p>
+            <a:pPr algn="ctr"/>
+            <a:endParaRPr lang="en-US"/>
+          </a:p>
+        </p:txBody>
+      </p:sp>
+      <p:pic>
+        <p:nvPicPr>
+          <p:cNvPr id="5" name="Content Placeholder 4" descr="Shape&#10;&#10;Description automatically generated with medium confidence">
+            <a:extLst>
+              <a:ext uri="{FF2B5EF4-FFF2-40B4-BE49-F238E27FC236}">
+                <a16:creationId xmlns:a16="http://schemas.microsoft.com/office/drawing/2014/main" id="{AB1CE71B-AEEF-42BB-B617-E8560EEE9EC8}"/>
+              </a:ext>
+            </a:extLst>
+          </p:cNvPr>
+          <p:cNvPicPr>
+            <a:picLocks noGrp="1" noChangeAspect="1"/>
+          </p:cNvPicPr>
+          <p:nvPr>
             <p:ph idx="1"/>
           </p:nvPr>
-        </p:nvSpPr>
-        <p:spPr/>
-        <p:txBody>
-          <a:bodyPr/>
-          <a:lstStyle/>
-          <a:p>
-            <a:endParaRPr lang="en-US"/>
-          </a:p>
-        </p:txBody>
-      </p:sp>
+        </p:nvPicPr>
+        <p:blipFill>
+          <a:blip r:embed="rId2"/>
+          <a:stretch>
+            <a:fillRect/>
+          </a:stretch>
+        </p:blipFill>
+        <p:spPr>
+          <a:xfrm>
+            <a:off x="1841045" y="905933"/>
+            <a:ext cx="8541913" cy="5039728"/>
+          </a:xfrm>
+          <a:prstGeom prst="rect">
+            <a:avLst/>
+          </a:prstGeom>
+        </p:spPr>
+      </p:pic>
     </p:spTree>
     <p:extLst>
       <p:ext uri="{BB962C8B-B14F-4D97-AF65-F5344CB8AC3E}">
-        <p14:creationId xmlns:p14="http://schemas.microsoft.com/office/powerpoint/2010/main" val="1933689812"/>
+        <p14:creationId xmlns:p14="http://schemas.microsoft.com/office/powerpoint/2010/main" val="831055205"/>
       </p:ext>
     </p:extLst>
   </p:cSld>
@@ -6228,6 +6556,24 @@
 </file>
 
 <file path=customXml/item1.xml><?xml version="1.0" encoding="utf-8"?>
+<p:properties xmlns:p="http://schemas.microsoft.com/office/2006/metadata/properties" xmlns:xsi="http://www.w3.org/2001/XMLSchema-instance" xmlns:pc="http://schemas.microsoft.com/office/infopath/2007/PartnerControls">
+  <documentManagement>
+    <Status xmlns="71af3243-3dd4-4a8d-8c0d-dd76da1f02a5">Not started</Status>
+    <MediaServiceKeyPoints xmlns="71af3243-3dd4-4a8d-8c0d-dd76da1f02a5" xsi:nil="true"/>
+  </documentManagement>
+</p:properties>
+</file>
+
+<file path=customXml/item2.xml><?xml version="1.0" encoding="utf-8"?>
+<?mso-contentType ?>
+<FormTemplates xmlns="http://schemas.microsoft.com/sharepoint/v3/contenttype/forms">
+  <Display>DocumentLibraryForm</Display>
+  <Edit>DocumentLibraryForm</Edit>
+  <New>DocumentLibraryForm</New>
+</FormTemplates>
+</file>
+
+<file path=customXml/item3.xml><?xml version="1.0" encoding="utf-8"?>
 <ct:contentTypeSchema xmlns:ct="http://schemas.microsoft.com/office/2006/metadata/contentType" xmlns:ma="http://schemas.microsoft.com/office/2006/metadata/properties/metaAttributes" ct:_="" ma:_="" ma:contentTypeName="Document" ma:contentTypeID="0x01010079F111ED35F8CC479449609E8A0923A6" ma:contentTypeVersion="12" ma:contentTypeDescription="Create a new document." ma:contentTypeScope="" ma:versionID="a410dd7f93c95333ffa1b60ed6adedd1">
   <xsd:schema xmlns:xsd="http://www.w3.org/2001/XMLSchema" xmlns:xs="http://www.w3.org/2001/XMLSchema" xmlns:p="http://schemas.microsoft.com/office/2006/metadata/properties" xmlns:ns2="71af3243-3dd4-4a8d-8c0d-dd76da1f02a5" xmlns:ns3="16c05727-aa75-4e4a-9b5f-8a80a1165891" targetNamespace="http://schemas.microsoft.com/office/2006/metadata/properties" ma:root="true" ma:fieldsID="a936d9baba76aa3866493feff160faab" ns2:_="" ns3:_="">
     <xsd:import namespace="71af3243-3dd4-4a8d-8c0d-dd76da1f02a5"/>
@@ -6448,25 +6794,25 @@
 </ct:contentTypeSchema>
 </file>
 
-<file path=customXml/item2.xml><?xml version="1.0" encoding="utf-8"?>
-<?mso-contentType ?>
-<FormTemplates xmlns="http://schemas.microsoft.com/sharepoint/v3/contenttype/forms">
-  <Display>DocumentLibraryForm</Display>
-  <Edit>DocumentLibraryForm</Edit>
-  <New>DocumentLibraryForm</New>
-</FormTemplates>
+<file path=customXml/itemProps1.xml><?xml version="1.0" encoding="utf-8"?>
+<ds:datastoreItem xmlns:ds="http://schemas.openxmlformats.org/officeDocument/2006/customXml" ds:itemID="{A03EEFF0-FB57-4CB4-8BFC-DF397689E2ED}">
+  <ds:schemaRefs>
+    <ds:schemaRef ds:uri="http://schemas.microsoft.com/office/2006/metadata/properties"/>
+    <ds:schemaRef ds:uri="http://schemas.microsoft.com/office/infopath/2007/PartnerControls"/>
+    <ds:schemaRef ds:uri="71af3243-3dd4-4a8d-8c0d-dd76da1f02a5"/>
+  </ds:schemaRefs>
+</ds:datastoreItem>
 </file>
 
-<file path=customXml/item3.xml><?xml version="1.0" encoding="utf-8"?>
-<p:properties xmlns:p="http://schemas.microsoft.com/office/2006/metadata/properties" xmlns:xsi="http://www.w3.org/2001/XMLSchema-instance" xmlns:pc="http://schemas.microsoft.com/office/infopath/2007/PartnerControls">
-  <documentManagement>
-    <Status xmlns="71af3243-3dd4-4a8d-8c0d-dd76da1f02a5">Not started</Status>
-    <MediaServiceKeyPoints xmlns="71af3243-3dd4-4a8d-8c0d-dd76da1f02a5" xsi:nil="true"/>
-  </documentManagement>
-</p:properties>
+<file path=customXml/itemProps2.xml><?xml version="1.0" encoding="utf-8"?>
+<ds:datastoreItem xmlns:ds="http://schemas.openxmlformats.org/officeDocument/2006/customXml" ds:itemID="{AA3F7EDC-E5B4-4BBC-9D2A-CBE6D46C37AD}">
+  <ds:schemaRefs>
+    <ds:schemaRef ds:uri="http://schemas.microsoft.com/sharepoint/v3/contenttype/forms"/>
+  </ds:schemaRefs>
+</ds:datastoreItem>
 </file>
 
-<file path=customXml/itemProps1.xml><?xml version="1.0" encoding="utf-8"?>
+<file path=customXml/itemProps3.xml><?xml version="1.0" encoding="utf-8"?>
 <ds:datastoreItem xmlns:ds="http://schemas.openxmlformats.org/officeDocument/2006/customXml" ds:itemID="{93932EF5-314F-409E-8020-FEE5FA0795B9}">
   <ds:schemaRefs>
     <ds:schemaRef ds:uri="http://schemas.microsoft.com/office/2006/metadata/contentType"/>
@@ -6483,22 +6829,4 @@
     <ds:schemaRef ds:uri="http://schemas.microsoft.com/internal/obd"/>
   </ds:schemaRefs>
 </ds:datastoreItem>
-</file>
-
-<file path=customXml/itemProps2.xml><?xml version="1.0" encoding="utf-8"?>
-<ds:datastoreItem xmlns:ds="http://schemas.openxmlformats.org/officeDocument/2006/customXml" ds:itemID="{AA3F7EDC-E5B4-4BBC-9D2A-CBE6D46C37AD}">
-  <ds:schemaRefs>
-    <ds:schemaRef ds:uri="http://schemas.microsoft.com/sharepoint/v3/contenttype/forms"/>
-  </ds:schemaRefs>
-</ds:datastoreItem>
-</file>
-
-<file path=customXml/itemProps3.xml><?xml version="1.0" encoding="utf-8"?>
-<ds:datastoreItem xmlns:ds="http://schemas.openxmlformats.org/officeDocument/2006/customXml" ds:itemID="{A03EEFF0-FB57-4CB4-8BFC-DF397689E2ED}">
-  <ds:schemaRefs>
-    <ds:schemaRef ds:uri="http://schemas.microsoft.com/office/2006/metadata/properties"/>
-    <ds:schemaRef ds:uri="http://schemas.microsoft.com/office/infopath/2007/PartnerControls"/>
-    <ds:schemaRef ds:uri="71af3243-3dd4-4a8d-8c0d-dd76da1f02a5"/>
-  </ds:schemaRefs>
-</ds:datastoreItem>
 </file>